--- a/slides/netrnn.pptx
+++ b/slides/netrnn.pptx
@@ -288,7 +288,7 @@
           <a:p>
             <a:fld id="{530820CF-B880-4189-942D-D702A7CBA730}" type="datetimeFigureOut">
               <a:rPr lang="zh-CN" altLang="en-US" smtClean="0"/>
-              <a:t>2017-1-18</a:t>
+              <a:t>2017-2-18</a:t>
             </a:fld>
             <a:endParaRPr lang="zh-CN" altLang="en-US"/>
           </a:p>
@@ -453,7 +453,7 @@
           <a:p>
             <a:fld id="{530820CF-B880-4189-942D-D702A7CBA730}" type="datetimeFigureOut">
               <a:rPr lang="zh-CN" altLang="en-US" smtClean="0"/>
-              <a:t>2017-1-18</a:t>
+              <a:t>2017-2-18</a:t>
             </a:fld>
             <a:endParaRPr lang="zh-CN" altLang="en-US"/>
           </a:p>
@@ -628,7 +628,7 @@
           <a:p>
             <a:fld id="{530820CF-B880-4189-942D-D702A7CBA730}" type="datetimeFigureOut">
               <a:rPr lang="zh-CN" altLang="en-US" smtClean="0"/>
-              <a:t>2017-1-18</a:t>
+              <a:t>2017-2-18</a:t>
             </a:fld>
             <a:endParaRPr lang="zh-CN" altLang="en-US"/>
           </a:p>
@@ -793,7 +793,7 @@
           <a:p>
             <a:fld id="{530820CF-B880-4189-942D-D702A7CBA730}" type="datetimeFigureOut">
               <a:rPr lang="zh-CN" altLang="en-US" smtClean="0"/>
-              <a:t>2017-1-18</a:t>
+              <a:t>2017-2-18</a:t>
             </a:fld>
             <a:endParaRPr lang="zh-CN" altLang="en-US"/>
           </a:p>
@@ -1034,7 +1034,7 @@
           <a:p>
             <a:fld id="{530820CF-B880-4189-942D-D702A7CBA730}" type="datetimeFigureOut">
               <a:rPr lang="zh-CN" altLang="en-US" smtClean="0"/>
-              <a:t>2017-1-18</a:t>
+              <a:t>2017-2-18</a:t>
             </a:fld>
             <a:endParaRPr lang="zh-CN" altLang="en-US"/>
           </a:p>
@@ -1317,7 +1317,7 @@
           <a:p>
             <a:fld id="{530820CF-B880-4189-942D-D702A7CBA730}" type="datetimeFigureOut">
               <a:rPr lang="zh-CN" altLang="en-US" smtClean="0"/>
-              <a:t>2017-1-18</a:t>
+              <a:t>2017-2-18</a:t>
             </a:fld>
             <a:endParaRPr lang="zh-CN" altLang="en-US"/>
           </a:p>
@@ -1734,7 +1734,7 @@
           <a:p>
             <a:fld id="{530820CF-B880-4189-942D-D702A7CBA730}" type="datetimeFigureOut">
               <a:rPr lang="zh-CN" altLang="en-US" smtClean="0"/>
-              <a:t>2017-1-18</a:t>
+              <a:t>2017-2-18</a:t>
             </a:fld>
             <a:endParaRPr lang="zh-CN" altLang="en-US"/>
           </a:p>
@@ -1847,7 +1847,7 @@
           <a:p>
             <a:fld id="{530820CF-B880-4189-942D-D702A7CBA730}" type="datetimeFigureOut">
               <a:rPr lang="zh-CN" altLang="en-US" smtClean="0"/>
-              <a:t>2017-1-18</a:t>
+              <a:t>2017-2-18</a:t>
             </a:fld>
             <a:endParaRPr lang="zh-CN" altLang="en-US"/>
           </a:p>
@@ -1937,7 +1937,7 @@
           <a:p>
             <a:fld id="{530820CF-B880-4189-942D-D702A7CBA730}" type="datetimeFigureOut">
               <a:rPr lang="zh-CN" altLang="en-US" smtClean="0"/>
-              <a:t>2017-1-18</a:t>
+              <a:t>2017-2-18</a:t>
             </a:fld>
             <a:endParaRPr lang="zh-CN" altLang="en-US"/>
           </a:p>
@@ -2209,7 +2209,7 @@
           <a:p>
             <a:fld id="{530820CF-B880-4189-942D-D702A7CBA730}" type="datetimeFigureOut">
               <a:rPr lang="zh-CN" altLang="en-US" smtClean="0"/>
-              <a:t>2017-1-18</a:t>
+              <a:t>2017-2-18</a:t>
             </a:fld>
             <a:endParaRPr lang="zh-CN" altLang="en-US"/>
           </a:p>
@@ -2457,7 +2457,7 @@
           <a:p>
             <a:fld id="{530820CF-B880-4189-942D-D702A7CBA730}" type="datetimeFigureOut">
               <a:rPr lang="zh-CN" altLang="en-US" smtClean="0"/>
-              <a:t>2017-1-18</a:t>
+              <a:t>2017-2-18</a:t>
             </a:fld>
             <a:endParaRPr lang="zh-CN" altLang="en-US"/>
           </a:p>
@@ -2665,7 +2665,7 @@
           <a:p>
             <a:fld id="{530820CF-B880-4189-942D-D702A7CBA730}" type="datetimeFigureOut">
               <a:rPr lang="zh-CN" altLang="en-US" smtClean="0"/>
-              <a:t>2017-1-18</a:t>
+              <a:t>2017-2-18</a:t>
             </a:fld>
             <a:endParaRPr lang="zh-CN" altLang="en-US"/>
           </a:p>
@@ -3517,7 +3517,7 @@
         </p:nvSpPr>
         <p:spPr>
           <a:xfrm>
-            <a:off x="5148064" y="4509120"/>
+            <a:off x="5148064" y="4512330"/>
             <a:ext cx="899605" cy="338554"/>
           </a:xfrm>
           <a:prstGeom prst="rect">
@@ -3553,7 +3553,7 @@
         </p:nvSpPr>
         <p:spPr>
           <a:xfrm>
-            <a:off x="1527478" y="4509120"/>
+            <a:off x="1527478" y="4512330"/>
             <a:ext cx="112380" cy="184666"/>
           </a:xfrm>
           <a:prstGeom prst="triangle">
@@ -3599,7 +3599,7 @@
         </p:nvSpPr>
         <p:spPr>
           <a:xfrm>
-            <a:off x="2339752" y="4509120"/>
+            <a:off x="2339752" y="4512330"/>
             <a:ext cx="112380" cy="184666"/>
           </a:xfrm>
           <a:prstGeom prst="triangle">
@@ -3645,7 +3645,7 @@
         </p:nvSpPr>
         <p:spPr>
           <a:xfrm>
-            <a:off x="2967638" y="4509120"/>
+            <a:off x="2967638" y="4512330"/>
             <a:ext cx="112380" cy="184666"/>
           </a:xfrm>
           <a:prstGeom prst="triangle">
@@ -3691,7 +3691,7 @@
         </p:nvSpPr>
         <p:spPr>
           <a:xfrm>
-            <a:off x="3543702" y="4509120"/>
+            <a:off x="3543702" y="4512330"/>
             <a:ext cx="112380" cy="184666"/>
           </a:xfrm>
           <a:prstGeom prst="triangle">
@@ -3737,7 +3737,7 @@
         </p:nvSpPr>
         <p:spPr>
           <a:xfrm>
-            <a:off x="4407798" y="4509120"/>
+            <a:off x="4407798" y="4512330"/>
             <a:ext cx="112380" cy="184666"/>
           </a:xfrm>
           <a:prstGeom prst="triangle">
@@ -3787,7 +3787,7 @@
         <p:spPr>
           <a:xfrm>
             <a:off x="1583668" y="3380634"/>
-            <a:ext cx="0" cy="1128486"/>
+            <a:ext cx="0" cy="1131696"/>
           </a:xfrm>
           <a:prstGeom prst="line">
             <a:avLst/>
@@ -3823,7 +3823,7 @@
         <p:spPr>
           <a:xfrm>
             <a:off x="2375756" y="2924944"/>
-            <a:ext cx="20186" cy="1584176"/>
+            <a:ext cx="20186" cy="1587386"/>
           </a:xfrm>
           <a:prstGeom prst="line">
             <a:avLst/>
@@ -3859,7 +3859,7 @@
         <p:spPr>
           <a:xfrm>
             <a:off x="3023828" y="3789040"/>
-            <a:ext cx="0" cy="720080"/>
+            <a:ext cx="0" cy="723290"/>
           </a:xfrm>
           <a:prstGeom prst="line">
             <a:avLst/>
@@ -3895,7 +3895,7 @@
         <p:spPr>
           <a:xfrm>
             <a:off x="3599892" y="2924944"/>
-            <a:ext cx="0" cy="1584176"/>
+            <a:ext cx="0" cy="1587386"/>
           </a:xfrm>
           <a:prstGeom prst="line">
             <a:avLst/>
@@ -3931,7 +3931,7 @@
         <p:spPr>
           <a:xfrm>
             <a:off x="4463988" y="3789040"/>
-            <a:ext cx="0" cy="720080"/>
+            <a:ext cx="0" cy="723290"/>
           </a:xfrm>
           <a:prstGeom prst="line">
             <a:avLst/>
@@ -4591,7 +4591,7 @@
         </p:nvCxnSpPr>
         <p:spPr>
           <a:xfrm>
-            <a:off x="1567850" y="4509120"/>
+            <a:off x="1567849" y="4509120"/>
             <a:ext cx="1440160" cy="0"/>
           </a:xfrm>
           <a:prstGeom prst="line">
@@ -4600,7 +4600,7 @@
           <a:ln w="38100">
             <a:solidFill>
               <a:schemeClr val="bg1">
-                <a:lumMod val="50000"/>
+                <a:lumMod val="75000"/>
               </a:schemeClr>
             </a:solidFill>
           </a:ln>
@@ -4623,15 +4623,13 @@
       <p:cxnSp>
         <p:nvCxnSpPr>
           <p:cNvPr id="84" name="直接连接符 83"/>
-          <p:cNvCxnSpPr>
-            <a:endCxn id="29" idx="0"/>
-          </p:cNvCxnSpPr>
+          <p:cNvCxnSpPr/>
           <p:nvPr/>
         </p:nvCxnSpPr>
         <p:spPr>
           <a:xfrm>
-            <a:off x="3023828" y="4509120"/>
-            <a:ext cx="1440160" cy="0"/>
+            <a:off x="2995612" y="4509120"/>
+            <a:ext cx="619832" cy="0"/>
           </a:xfrm>
           <a:prstGeom prst="line">
             <a:avLst/>

--- a/slides/netrnn.pptx
+++ b/slides/netrnn.pptx
@@ -288,7 +288,7 @@
           <a:p>
             <a:fld id="{530820CF-B880-4189-942D-D702A7CBA730}" type="datetimeFigureOut">
               <a:rPr lang="zh-CN" altLang="en-US" smtClean="0"/>
-              <a:t>2017-2-18</a:t>
+              <a:t>2017-2-19</a:t>
             </a:fld>
             <a:endParaRPr lang="zh-CN" altLang="en-US"/>
           </a:p>
@@ -453,7 +453,7 @@
           <a:p>
             <a:fld id="{530820CF-B880-4189-942D-D702A7CBA730}" type="datetimeFigureOut">
               <a:rPr lang="zh-CN" altLang="en-US" smtClean="0"/>
-              <a:t>2017-2-18</a:t>
+              <a:t>2017-2-19</a:t>
             </a:fld>
             <a:endParaRPr lang="zh-CN" altLang="en-US"/>
           </a:p>
@@ -628,7 +628,7 @@
           <a:p>
             <a:fld id="{530820CF-B880-4189-942D-D702A7CBA730}" type="datetimeFigureOut">
               <a:rPr lang="zh-CN" altLang="en-US" smtClean="0"/>
-              <a:t>2017-2-18</a:t>
+              <a:t>2017-2-19</a:t>
             </a:fld>
             <a:endParaRPr lang="zh-CN" altLang="en-US"/>
           </a:p>
@@ -793,7 +793,7 @@
           <a:p>
             <a:fld id="{530820CF-B880-4189-942D-D702A7CBA730}" type="datetimeFigureOut">
               <a:rPr lang="zh-CN" altLang="en-US" smtClean="0"/>
-              <a:t>2017-2-18</a:t>
+              <a:t>2017-2-19</a:t>
             </a:fld>
             <a:endParaRPr lang="zh-CN" altLang="en-US"/>
           </a:p>
@@ -1034,7 +1034,7 @@
           <a:p>
             <a:fld id="{530820CF-B880-4189-942D-D702A7CBA730}" type="datetimeFigureOut">
               <a:rPr lang="zh-CN" altLang="en-US" smtClean="0"/>
-              <a:t>2017-2-18</a:t>
+              <a:t>2017-2-19</a:t>
             </a:fld>
             <a:endParaRPr lang="zh-CN" altLang="en-US"/>
           </a:p>
@@ -1317,7 +1317,7 @@
           <a:p>
             <a:fld id="{530820CF-B880-4189-942D-D702A7CBA730}" type="datetimeFigureOut">
               <a:rPr lang="zh-CN" altLang="en-US" smtClean="0"/>
-              <a:t>2017-2-18</a:t>
+              <a:t>2017-2-19</a:t>
             </a:fld>
             <a:endParaRPr lang="zh-CN" altLang="en-US"/>
           </a:p>
@@ -1734,7 +1734,7 @@
           <a:p>
             <a:fld id="{530820CF-B880-4189-942D-D702A7CBA730}" type="datetimeFigureOut">
               <a:rPr lang="zh-CN" altLang="en-US" smtClean="0"/>
-              <a:t>2017-2-18</a:t>
+              <a:t>2017-2-19</a:t>
             </a:fld>
             <a:endParaRPr lang="zh-CN" altLang="en-US"/>
           </a:p>
@@ -1847,7 +1847,7 @@
           <a:p>
             <a:fld id="{530820CF-B880-4189-942D-D702A7CBA730}" type="datetimeFigureOut">
               <a:rPr lang="zh-CN" altLang="en-US" smtClean="0"/>
-              <a:t>2017-2-18</a:t>
+              <a:t>2017-2-19</a:t>
             </a:fld>
             <a:endParaRPr lang="zh-CN" altLang="en-US"/>
           </a:p>
@@ -1937,7 +1937,7 @@
           <a:p>
             <a:fld id="{530820CF-B880-4189-942D-D702A7CBA730}" type="datetimeFigureOut">
               <a:rPr lang="zh-CN" altLang="en-US" smtClean="0"/>
-              <a:t>2017-2-18</a:t>
+              <a:t>2017-2-19</a:t>
             </a:fld>
             <a:endParaRPr lang="zh-CN" altLang="en-US"/>
           </a:p>
@@ -2209,7 +2209,7 @@
           <a:p>
             <a:fld id="{530820CF-B880-4189-942D-D702A7CBA730}" type="datetimeFigureOut">
               <a:rPr lang="zh-CN" altLang="en-US" smtClean="0"/>
-              <a:t>2017-2-18</a:t>
+              <a:t>2017-2-19</a:t>
             </a:fld>
             <a:endParaRPr lang="zh-CN" altLang="en-US"/>
           </a:p>
@@ -2457,7 +2457,7 @@
           <a:p>
             <a:fld id="{530820CF-B880-4189-942D-D702A7CBA730}" type="datetimeFigureOut">
               <a:rPr lang="zh-CN" altLang="en-US" smtClean="0"/>
-              <a:t>2017-2-18</a:t>
+              <a:t>2017-2-19</a:t>
             </a:fld>
             <a:endParaRPr lang="zh-CN" altLang="en-US"/>
           </a:p>
@@ -2665,7 +2665,7 @@
           <a:p>
             <a:fld id="{530820CF-B880-4189-942D-D702A7CBA730}" type="datetimeFigureOut">
               <a:rPr lang="zh-CN" altLang="en-US" smtClean="0"/>
-              <a:t>2017-2-18</a:t>
+              <a:t>2017-2-19</a:t>
             </a:fld>
             <a:endParaRPr lang="zh-CN" altLang="en-US"/>
           </a:p>
@@ -4980,6 +4980,354 @@
               <a:latin typeface="Times New Roman" pitchFamily="18" charset="0"/>
               <a:cs typeface="Times New Roman" pitchFamily="18" charset="0"/>
             </a:endParaRPr>
+          </a:p>
+        </p:txBody>
+      </p:sp>
+      <p:sp>
+        <p:nvSpPr>
+          <p:cNvPr id="2" name="TextBox 1"/>
+          <p:cNvSpPr txBox="1"/>
+          <p:nvPr/>
+        </p:nvSpPr>
+        <p:spPr>
+          <a:xfrm>
+            <a:off x="2267744" y="2852700"/>
+            <a:ext cx="1127232" cy="307777"/>
+          </a:xfrm>
+          <a:prstGeom prst="rect">
+            <a:avLst/>
+          </a:prstGeom>
+          <a:noFill/>
+        </p:spPr>
+        <p:txBody>
+          <a:bodyPr wrap="none" rtlCol="0">
+            <a:spAutoFit/>
+          </a:bodyPr>
+          <a:lstStyle/>
+          <a:p>
+            <a:r>
+              <a:rPr lang="en-US" altLang="zh-CN" sz="1400" dirty="0" err="1" smtClean="0">
+                <a:latin typeface="Cambria Math" pitchFamily="18" charset="0"/>
+                <a:ea typeface="Cambria Math" pitchFamily="18" charset="0"/>
+              </a:rPr>
+              <a:t>deps</a:t>
+            </a:r>
+            <a:r>
+              <a:rPr lang="en-US" altLang="zh-CN" sz="1400" dirty="0" smtClean="0">
+                <a:latin typeface="Cambria Math" pitchFamily="18" charset="0"/>
+                <a:ea typeface="Cambria Math" pitchFamily="18" charset="0"/>
+              </a:rPr>
+              <a:t> on {</a:t>
+            </a:r>
+            <a:r>
+              <a:rPr lang="en-US" altLang="zh-CN" sz="1400" i="1" dirty="0" smtClean="0">
+                <a:latin typeface="Cambria Math" pitchFamily="18" charset="0"/>
+                <a:ea typeface="Cambria Math" pitchFamily="18" charset="0"/>
+              </a:rPr>
+              <a:t>u</a:t>
+            </a:r>
+            <a:r>
+              <a:rPr lang="en-US" altLang="zh-CN" sz="1400" baseline="-25000" dirty="0" smtClean="0">
+                <a:latin typeface="Cambria Math" pitchFamily="18" charset="0"/>
+                <a:ea typeface="Cambria Math" pitchFamily="18" charset="0"/>
+              </a:rPr>
+              <a:t>1</a:t>
+            </a:r>
+            <a:r>
+              <a:rPr lang="en-US" altLang="zh-CN" sz="1400" dirty="0" smtClean="0">
+                <a:latin typeface="Cambria Math" pitchFamily="18" charset="0"/>
+                <a:ea typeface="Cambria Math" pitchFamily="18" charset="0"/>
+              </a:rPr>
+              <a:t>}</a:t>
+            </a:r>
+            <a:endParaRPr lang="zh-CN" altLang="en-US" sz="1400" dirty="0">
+              <a:latin typeface="Cambria Math" pitchFamily="18" charset="0"/>
+            </a:endParaRPr>
+          </a:p>
+        </p:txBody>
+      </p:sp>
+      <p:sp>
+        <p:nvSpPr>
+          <p:cNvPr id="51" name="TextBox 50"/>
+          <p:cNvSpPr txBox="1"/>
+          <p:nvPr/>
+        </p:nvSpPr>
+        <p:spPr>
+          <a:xfrm>
+            <a:off x="2932697" y="3717032"/>
+            <a:ext cx="1329210" cy="307777"/>
+          </a:xfrm>
+          <a:prstGeom prst="rect">
+            <a:avLst/>
+          </a:prstGeom>
+          <a:noFill/>
+        </p:spPr>
+        <p:txBody>
+          <a:bodyPr wrap="none" rtlCol="0">
+            <a:spAutoFit/>
+          </a:bodyPr>
+          <a:lstStyle/>
+          <a:p>
+            <a:r>
+              <a:rPr lang="en-US" altLang="zh-CN" sz="1400" dirty="0" err="1" smtClean="0">
+                <a:latin typeface="Cambria Math" pitchFamily="18" charset="0"/>
+                <a:ea typeface="Cambria Math" pitchFamily="18" charset="0"/>
+              </a:rPr>
+              <a:t>deps</a:t>
+            </a:r>
+            <a:r>
+              <a:rPr lang="en-US" altLang="zh-CN" sz="1400" dirty="0" smtClean="0">
+                <a:latin typeface="Cambria Math" pitchFamily="18" charset="0"/>
+                <a:ea typeface="Cambria Math" pitchFamily="18" charset="0"/>
+              </a:rPr>
+              <a:t> on {</a:t>
+            </a:r>
+            <a:r>
+              <a:rPr lang="en-US" altLang="zh-CN" sz="1400" i="1" dirty="0" smtClean="0">
+                <a:latin typeface="Cambria Math" pitchFamily="18" charset="0"/>
+                <a:ea typeface="Cambria Math" pitchFamily="18" charset="0"/>
+              </a:rPr>
+              <a:t>u</a:t>
+            </a:r>
+            <a:r>
+              <a:rPr lang="en-US" altLang="zh-CN" sz="1400" baseline="-25000" dirty="0" smtClean="0">
+                <a:latin typeface="Cambria Math" pitchFamily="18" charset="0"/>
+                <a:ea typeface="Cambria Math" pitchFamily="18" charset="0"/>
+              </a:rPr>
+              <a:t>1</a:t>
+            </a:r>
+            <a:r>
+              <a:rPr lang="en-US" altLang="zh-CN" sz="1400" dirty="0" smtClean="0">
+                <a:latin typeface="Cambria Math" pitchFamily="18" charset="0"/>
+                <a:ea typeface="Cambria Math" pitchFamily="18" charset="0"/>
+              </a:rPr>
+              <a:t>,</a:t>
+            </a:r>
+            <a:r>
+              <a:rPr lang="en-US" altLang="zh-CN" sz="1400" i="1" dirty="0" smtClean="0">
+                <a:latin typeface="Cambria Math" pitchFamily="18" charset="0"/>
+                <a:ea typeface="Cambria Math" pitchFamily="18" charset="0"/>
+              </a:rPr>
+              <a:t>u</a:t>
+            </a:r>
+            <a:r>
+              <a:rPr lang="en-US" altLang="zh-CN" sz="1400" baseline="-25000" dirty="0" smtClean="0">
+                <a:latin typeface="Cambria Math" pitchFamily="18" charset="0"/>
+                <a:ea typeface="Cambria Math" pitchFamily="18" charset="0"/>
+              </a:rPr>
+              <a:t>2</a:t>
+            </a:r>
+            <a:r>
+              <a:rPr lang="en-US" altLang="zh-CN" sz="1400" dirty="0" smtClean="0">
+                <a:latin typeface="Cambria Math" pitchFamily="18" charset="0"/>
+                <a:ea typeface="Cambria Math" pitchFamily="18" charset="0"/>
+              </a:rPr>
+              <a:t>}</a:t>
+            </a:r>
+            <a:endParaRPr lang="zh-CN" altLang="en-US" sz="1400" dirty="0">
+              <a:latin typeface="Cambria Math" pitchFamily="18" charset="0"/>
+            </a:endParaRPr>
+          </a:p>
+        </p:txBody>
+      </p:sp>
+      <p:sp>
+        <p:nvSpPr>
+          <p:cNvPr id="52" name="TextBox 51"/>
+          <p:cNvSpPr txBox="1"/>
+          <p:nvPr/>
+        </p:nvSpPr>
+        <p:spPr>
+          <a:xfrm>
+            <a:off x="3555391" y="2852936"/>
+            <a:ext cx="1531188" cy="307777"/>
+          </a:xfrm>
+          <a:prstGeom prst="rect">
+            <a:avLst/>
+          </a:prstGeom>
+          <a:noFill/>
+        </p:spPr>
+        <p:txBody>
+          <a:bodyPr wrap="none" rtlCol="0">
+            <a:spAutoFit/>
+          </a:bodyPr>
+          <a:lstStyle/>
+          <a:p>
+            <a:r>
+              <a:rPr lang="en-US" altLang="zh-CN" sz="1400" dirty="0" err="1" smtClean="0">
+                <a:latin typeface="Cambria Math" pitchFamily="18" charset="0"/>
+                <a:ea typeface="Cambria Math" pitchFamily="18" charset="0"/>
+              </a:rPr>
+              <a:t>deps</a:t>
+            </a:r>
+            <a:r>
+              <a:rPr lang="en-US" altLang="zh-CN" sz="1400" dirty="0" smtClean="0">
+                <a:latin typeface="Cambria Math" pitchFamily="18" charset="0"/>
+                <a:ea typeface="Cambria Math" pitchFamily="18" charset="0"/>
+              </a:rPr>
+              <a:t> on {</a:t>
+            </a:r>
+            <a:r>
+              <a:rPr lang="en-US" altLang="zh-CN" sz="1400" i="1" dirty="0" smtClean="0">
+                <a:latin typeface="Cambria Math" pitchFamily="18" charset="0"/>
+                <a:ea typeface="Cambria Math" pitchFamily="18" charset="0"/>
+              </a:rPr>
+              <a:t>u</a:t>
+            </a:r>
+            <a:r>
+              <a:rPr lang="en-US" altLang="zh-CN" sz="1400" baseline="-25000" dirty="0" smtClean="0">
+                <a:latin typeface="Cambria Math" pitchFamily="18" charset="0"/>
+                <a:ea typeface="Cambria Math" pitchFamily="18" charset="0"/>
+              </a:rPr>
+              <a:t>1</a:t>
+            </a:r>
+            <a:r>
+              <a:rPr lang="en-US" altLang="zh-CN" sz="1400" dirty="0" smtClean="0">
+                <a:latin typeface="Cambria Math" pitchFamily="18" charset="0"/>
+                <a:ea typeface="Cambria Math" pitchFamily="18" charset="0"/>
+              </a:rPr>
+              <a:t>,</a:t>
+            </a:r>
+            <a:r>
+              <a:rPr lang="en-US" altLang="zh-CN" sz="1400" i="1" dirty="0" smtClean="0">
+                <a:latin typeface="Cambria Math" pitchFamily="18" charset="0"/>
+                <a:ea typeface="Cambria Math" pitchFamily="18" charset="0"/>
+              </a:rPr>
+              <a:t>u</a:t>
+            </a:r>
+            <a:r>
+              <a:rPr lang="en-US" altLang="zh-CN" sz="1400" baseline="-25000" dirty="0" smtClean="0">
+                <a:latin typeface="Cambria Math" pitchFamily="18" charset="0"/>
+                <a:ea typeface="Cambria Math" pitchFamily="18" charset="0"/>
+              </a:rPr>
+              <a:t>2</a:t>
+            </a:r>
+            <a:r>
+              <a:rPr lang="en-US" altLang="zh-CN" sz="1400" dirty="0" smtClean="0">
+                <a:latin typeface="Cambria Math" pitchFamily="18" charset="0"/>
+                <a:ea typeface="Cambria Math" pitchFamily="18" charset="0"/>
+              </a:rPr>
+              <a:t>,</a:t>
+            </a:r>
+            <a:r>
+              <a:rPr lang="en-US" altLang="zh-CN" sz="1400" i="1" dirty="0" smtClean="0">
+                <a:latin typeface="Cambria Math" pitchFamily="18" charset="0"/>
+                <a:ea typeface="Cambria Math" pitchFamily="18" charset="0"/>
+              </a:rPr>
+              <a:t>u</a:t>
+            </a:r>
+            <a:r>
+              <a:rPr lang="en-US" altLang="zh-CN" sz="1400" baseline="-25000" dirty="0" smtClean="0">
+                <a:latin typeface="Cambria Math" pitchFamily="18" charset="0"/>
+                <a:ea typeface="Cambria Math" pitchFamily="18" charset="0"/>
+              </a:rPr>
+              <a:t>3</a:t>
+            </a:r>
+            <a:r>
+              <a:rPr lang="en-US" altLang="zh-CN" sz="1400" dirty="0" smtClean="0">
+                <a:latin typeface="Cambria Math" pitchFamily="18" charset="0"/>
+                <a:ea typeface="Cambria Math" pitchFamily="18" charset="0"/>
+              </a:rPr>
+              <a:t>}</a:t>
+            </a:r>
+            <a:endParaRPr lang="zh-CN" altLang="en-US" sz="1400" dirty="0">
+              <a:latin typeface="Cambria Math" pitchFamily="18" charset="0"/>
+            </a:endParaRPr>
+          </a:p>
+        </p:txBody>
+      </p:sp>
+      <p:sp>
+        <p:nvSpPr>
+          <p:cNvPr id="3" name="乘号 2"/>
+          <p:cNvSpPr/>
+          <p:nvPr/>
+        </p:nvSpPr>
+        <p:spPr>
+          <a:xfrm>
+            <a:off x="3867173" y="3744514"/>
+            <a:ext cx="280295" cy="280295"/>
+          </a:xfrm>
+          <a:prstGeom prst="mathMultiply">
+            <a:avLst>
+              <a:gd name="adj1" fmla="val 8347"/>
+            </a:avLst>
+          </a:prstGeom>
+          <a:solidFill>
+            <a:srgbClr val="FF0000"/>
+          </a:solidFill>
+          <a:ln>
+            <a:noFill/>
+          </a:ln>
+        </p:spPr>
+        <p:style>
+          <a:lnRef idx="2">
+            <a:schemeClr val="accent1">
+              <a:shade val="50000"/>
+            </a:schemeClr>
+          </a:lnRef>
+          <a:fillRef idx="1">
+            <a:schemeClr val="accent1"/>
+          </a:fillRef>
+          <a:effectRef idx="0">
+            <a:schemeClr val="accent1"/>
+          </a:effectRef>
+          <a:fontRef idx="minor">
+            <a:schemeClr val="lt1"/>
+          </a:fontRef>
+        </p:style>
+        <p:txBody>
+          <a:bodyPr rtlCol="0" anchor="ctr"/>
+          <a:lstStyle/>
+          <a:p>
+            <a:pPr algn="ctr"/>
+            <a:endParaRPr lang="zh-CN" altLang="en-US"/>
+          </a:p>
+        </p:txBody>
+      </p:sp>
+      <p:sp>
+        <p:nvSpPr>
+          <p:cNvPr id="54" name="乘号 53"/>
+          <p:cNvSpPr/>
+          <p:nvPr/>
+        </p:nvSpPr>
+        <p:spPr>
+          <a:xfrm>
+            <a:off x="4723753" y="2896753"/>
+            <a:ext cx="280295" cy="280295"/>
+          </a:xfrm>
+          <a:prstGeom prst="mathMultiply">
+            <a:avLst>
+              <a:gd name="adj1" fmla="val 8347"/>
+            </a:avLst>
+          </a:prstGeom>
+          <a:solidFill>
+            <a:srgbClr val="FF0000"/>
+          </a:solidFill>
+          <a:ln>
+            <a:noFill/>
+          </a:ln>
+        </p:spPr>
+        <p:style>
+          <a:lnRef idx="2">
+            <a:schemeClr val="accent1">
+              <a:shade val="50000"/>
+            </a:schemeClr>
+          </a:lnRef>
+          <a:fillRef idx="1">
+            <a:schemeClr val="accent1"/>
+          </a:fillRef>
+          <a:effectRef idx="0">
+            <a:schemeClr val="accent1"/>
+          </a:effectRef>
+          <a:fontRef idx="minor">
+            <a:schemeClr val="lt1"/>
+          </a:fontRef>
+        </p:style>
+        <p:txBody>
+          <a:bodyPr rtlCol="0" anchor="ctr"/>
+          <a:lstStyle/>
+          <a:p>
+            <a:pPr algn="ctr"/>
+            <a:endParaRPr lang="zh-CN" altLang="en-US"/>
           </a:p>
         </p:txBody>
       </p:sp>
